--- a/ICT/ICT/ICT slides/Lecture 8 slides (ICT).pptx
+++ b/ICT/ICT/ICT slides/Lecture 8 slides (ICT).pptx
@@ -218,7 +218,7 @@
           <a:p>
             <a:fld id="{1FB87873-B5E4-4AA6-9C7E-A90751762863}" type="datetimeFigureOut">
               <a:rPr lang="en-PK" smtClean="0"/>
-              <a:t>24/11/2024</a:t>
+              <a:t>04/21/2025</a:t>
             </a:fld>
             <a:endParaRPr lang="en-PK"/>
           </a:p>
@@ -672,7 +672,7 @@
           <a:p>
             <a:fld id="{285CCA55-E385-4BD4-8F8C-55EEF080A453}" type="datetimeFigureOut">
               <a:rPr lang="en-PK" smtClean="0"/>
-              <a:t>24/11/2024</a:t>
+              <a:t>04/21/2025</a:t>
             </a:fld>
             <a:endParaRPr lang="en-PK"/>
           </a:p>
@@ -947,7 +947,7 @@
           <a:p>
             <a:fld id="{285CCA55-E385-4BD4-8F8C-55EEF080A453}" type="datetimeFigureOut">
               <a:rPr lang="en-PK" smtClean="0"/>
-              <a:t>24/11/2024</a:t>
+              <a:t>04/21/2025</a:t>
             </a:fld>
             <a:endParaRPr lang="en-PK"/>
           </a:p>
@@ -1141,7 +1141,7 @@
           <a:p>
             <a:fld id="{285CCA55-E385-4BD4-8F8C-55EEF080A453}" type="datetimeFigureOut">
               <a:rPr lang="en-PK" smtClean="0"/>
-              <a:t>24/11/2024</a:t>
+              <a:t>04/21/2025</a:t>
             </a:fld>
             <a:endParaRPr lang="en-PK"/>
           </a:p>
@@ -1414,7 +1414,7 @@
           <a:p>
             <a:fld id="{285CCA55-E385-4BD4-8F8C-55EEF080A453}" type="datetimeFigureOut">
               <a:rPr lang="en-PK" smtClean="0"/>
-              <a:t>24/11/2024</a:t>
+              <a:t>04/21/2025</a:t>
             </a:fld>
             <a:endParaRPr lang="en-PK"/>
           </a:p>
@@ -1755,7 +1755,7 @@
           <a:p>
             <a:fld id="{285CCA55-E385-4BD4-8F8C-55EEF080A453}" type="datetimeFigureOut">
               <a:rPr lang="en-PK" smtClean="0"/>
-              <a:t>24/11/2024</a:t>
+              <a:t>04/21/2025</a:t>
             </a:fld>
             <a:endParaRPr lang="en-PK"/>
           </a:p>
@@ -2378,7 +2378,7 @@
           <a:p>
             <a:fld id="{285CCA55-E385-4BD4-8F8C-55EEF080A453}" type="datetimeFigureOut">
               <a:rPr lang="en-PK" smtClean="0"/>
-              <a:t>24/11/2024</a:t>
+              <a:t>04/21/2025</a:t>
             </a:fld>
             <a:endParaRPr lang="en-PK"/>
           </a:p>
@@ -3238,7 +3238,7 @@
           <a:p>
             <a:fld id="{285CCA55-E385-4BD4-8F8C-55EEF080A453}" type="datetimeFigureOut">
               <a:rPr lang="en-PK" smtClean="0"/>
-              <a:t>24/11/2024</a:t>
+              <a:t>04/21/2025</a:t>
             </a:fld>
             <a:endParaRPr lang="en-PK"/>
           </a:p>
@@ -3408,7 +3408,7 @@
           <a:p>
             <a:fld id="{285CCA55-E385-4BD4-8F8C-55EEF080A453}" type="datetimeFigureOut">
               <a:rPr lang="en-PK" smtClean="0"/>
-              <a:t>24/11/2024</a:t>
+              <a:t>04/21/2025</a:t>
             </a:fld>
             <a:endParaRPr lang="en-PK"/>
           </a:p>
@@ -3588,7 +3588,7 @@
           <a:p>
             <a:fld id="{285CCA55-E385-4BD4-8F8C-55EEF080A453}" type="datetimeFigureOut">
               <a:rPr lang="en-PK" smtClean="0"/>
-              <a:t>24/11/2024</a:t>
+              <a:t>04/21/2025</a:t>
             </a:fld>
             <a:endParaRPr lang="en-PK"/>
           </a:p>
@@ -3758,7 +3758,7 @@
           <a:p>
             <a:fld id="{285CCA55-E385-4BD4-8F8C-55EEF080A453}" type="datetimeFigureOut">
               <a:rPr lang="en-PK" smtClean="0"/>
-              <a:t>24/11/2024</a:t>
+              <a:t>04/21/2025</a:t>
             </a:fld>
             <a:endParaRPr lang="en-PK"/>
           </a:p>
@@ -4005,7 +4005,7 @@
           <a:p>
             <a:fld id="{285CCA55-E385-4BD4-8F8C-55EEF080A453}" type="datetimeFigureOut">
               <a:rPr lang="en-PK" smtClean="0"/>
-              <a:t>24/11/2024</a:t>
+              <a:t>04/21/2025</a:t>
             </a:fld>
             <a:endParaRPr lang="en-PK"/>
           </a:p>
@@ -4297,7 +4297,7 @@
           <a:p>
             <a:fld id="{285CCA55-E385-4BD4-8F8C-55EEF080A453}" type="datetimeFigureOut">
               <a:rPr lang="en-PK" smtClean="0"/>
-              <a:t>24/11/2024</a:t>
+              <a:t>04/21/2025</a:t>
             </a:fld>
             <a:endParaRPr lang="en-PK"/>
           </a:p>
@@ -4741,7 +4741,7 @@
           <a:p>
             <a:fld id="{285CCA55-E385-4BD4-8F8C-55EEF080A453}" type="datetimeFigureOut">
               <a:rPr lang="en-PK" smtClean="0"/>
-              <a:t>24/11/2024</a:t>
+              <a:t>04/21/2025</a:t>
             </a:fld>
             <a:endParaRPr lang="en-PK"/>
           </a:p>
@@ -4859,7 +4859,7 @@
           <a:p>
             <a:fld id="{285CCA55-E385-4BD4-8F8C-55EEF080A453}" type="datetimeFigureOut">
               <a:rPr lang="en-PK" smtClean="0"/>
-              <a:t>24/11/2024</a:t>
+              <a:t>04/21/2025</a:t>
             </a:fld>
             <a:endParaRPr lang="en-PK"/>
           </a:p>
@@ -4954,7 +4954,7 @@
           <a:p>
             <a:fld id="{285CCA55-E385-4BD4-8F8C-55EEF080A453}" type="datetimeFigureOut">
               <a:rPr lang="en-PK" smtClean="0"/>
-              <a:t>24/11/2024</a:t>
+              <a:t>04/21/2025</a:t>
             </a:fld>
             <a:endParaRPr lang="en-PK"/>
           </a:p>
@@ -5233,7 +5233,7 @@
           <a:p>
             <a:fld id="{285CCA55-E385-4BD4-8F8C-55EEF080A453}" type="datetimeFigureOut">
               <a:rPr lang="en-PK" smtClean="0"/>
-              <a:t>24/11/2024</a:t>
+              <a:t>04/21/2025</a:t>
             </a:fld>
             <a:endParaRPr lang="en-PK"/>
           </a:p>
@@ -5508,7 +5508,7 @@
           <a:p>
             <a:fld id="{285CCA55-E385-4BD4-8F8C-55EEF080A453}" type="datetimeFigureOut">
               <a:rPr lang="en-PK" smtClean="0"/>
-              <a:t>24/11/2024</a:t>
+              <a:t>04/21/2025</a:t>
             </a:fld>
             <a:endParaRPr lang="en-PK"/>
           </a:p>
@@ -5937,7 +5937,7 @@
           <a:p>
             <a:fld id="{285CCA55-E385-4BD4-8F8C-55EEF080A453}" type="datetimeFigureOut">
               <a:rPr lang="en-PK" smtClean="0"/>
-              <a:t>24/11/2024</a:t>
+              <a:t>04/21/2025</a:t>
             </a:fld>
             <a:endParaRPr lang="en-PK"/>
           </a:p>
